--- a/Power_BI_32h/Aula 1/Aula 01 - Power BI.pptx
+++ b/Power_BI_32h/Aula 1/Aula 01 - Power BI.pptx
@@ -183,7 +183,7 @@
           <a:noFill/>
           <a:extLst>
             <a:ext uri="{909E8E84-426E-40dd-AFC4-6F175D3DCCD1}">
-              <a14:hiddenFill xmlns:a14="http://schemas.microsoft.com/office/drawing/2010/main" xmlns="">
+              <a14:hiddenFill xmlns="" xmlns:a14="http://schemas.microsoft.com/office/drawing/2010/main">
                 <a:solidFill>
                   <a:srgbClr val="FFFFFF"/>
                 </a:solidFill>
@@ -243,7 +243,7 @@
             </a:ln>
             <a:extLst>
               <a:ext uri="{91240B29-F687-4f45-9708-019B960494DF}">
-                <a14:hiddenLine xmlns:a14="http://schemas.microsoft.com/office/drawing/2010/main" xmlns="" w="9525">
+                <a14:hiddenLine xmlns="" xmlns:a14="http://schemas.microsoft.com/office/drawing/2010/main" w="9525">
                   <a:solidFill>
                     <a:srgbClr val="000000"/>
                   </a:solidFill>
@@ -333,7 +333,7 @@
             </a:ln>
             <a:extLst>
               <a:ext uri="{91240B29-F687-4f45-9708-019B960494DF}">
-                <a14:hiddenLine xmlns:a14="http://schemas.microsoft.com/office/drawing/2010/main" xmlns="" w="9525">
+                <a14:hiddenLine xmlns="" xmlns:a14="http://schemas.microsoft.com/office/drawing/2010/main" w="9525">
                   <a:solidFill>
                     <a:srgbClr val="000000"/>
                   </a:solidFill>
@@ -423,7 +423,7 @@
             </a:ln>
             <a:extLst>
               <a:ext uri="{91240B29-F687-4f45-9708-019B960494DF}">
-                <a14:hiddenLine xmlns:a14="http://schemas.microsoft.com/office/drawing/2010/main" xmlns="" w="9525">
+                <a14:hiddenLine xmlns="" xmlns:a14="http://schemas.microsoft.com/office/drawing/2010/main" w="9525">
                   <a:solidFill>
                     <a:srgbClr val="000000"/>
                   </a:solidFill>
@@ -457,7 +457,7 @@
             </a:ln>
             <a:extLst>
               <a:ext uri="{91240B29-F687-4f45-9708-019B960494DF}">
-                <a14:hiddenLine xmlns:a14="http://schemas.microsoft.com/office/drawing/2010/main" xmlns="" w="9525">
+                <a14:hiddenLine xmlns="" xmlns:a14="http://schemas.microsoft.com/office/drawing/2010/main" w="9525">
                   <a:solidFill>
                     <a:srgbClr val="000000"/>
                   </a:solidFill>
@@ -547,7 +547,7 @@
             </a:ln>
             <a:extLst>
               <a:ext uri="{91240B29-F687-4f45-9708-019B960494DF}">
-                <a14:hiddenLine xmlns:a14="http://schemas.microsoft.com/office/drawing/2010/main" xmlns="" w="9525">
+                <a14:hiddenLine xmlns="" xmlns:a14="http://schemas.microsoft.com/office/drawing/2010/main" w="9525">
                   <a:solidFill>
                     <a:srgbClr val="000000"/>
                   </a:solidFill>
@@ -609,7 +609,7 @@
             </a:ln>
             <a:extLst>
               <a:ext uri="{91240B29-F687-4f45-9708-019B960494DF}">
-                <a14:hiddenLine xmlns:a14="http://schemas.microsoft.com/office/drawing/2010/main" xmlns="" w="9525">
+                <a14:hiddenLine xmlns="" xmlns:a14="http://schemas.microsoft.com/office/drawing/2010/main" w="9525">
                   <a:solidFill>
                     <a:srgbClr val="000000"/>
                   </a:solidFill>
@@ -671,7 +671,7 @@
             </a:ln>
             <a:extLst>
               <a:ext uri="{91240B29-F687-4f45-9708-019B960494DF}">
-                <a14:hiddenLine xmlns:a14="http://schemas.microsoft.com/office/drawing/2010/main" xmlns="" w="9525">
+                <a14:hiddenLine xmlns="" xmlns:a14="http://schemas.microsoft.com/office/drawing/2010/main" w="9525">
                   <a:solidFill>
                     <a:srgbClr val="000000"/>
                   </a:solidFill>
@@ -761,7 +761,7 @@
             </a:ln>
             <a:extLst>
               <a:ext uri="{91240B29-F687-4f45-9708-019B960494DF}">
-                <a14:hiddenLine xmlns:a14="http://schemas.microsoft.com/office/drawing/2010/main" xmlns="" w="9525">
+                <a14:hiddenLine xmlns="" xmlns:a14="http://schemas.microsoft.com/office/drawing/2010/main" w="9525">
                   <a:solidFill>
                     <a:srgbClr val="000000"/>
                   </a:solidFill>
@@ -823,7 +823,7 @@
             </a:ln>
             <a:extLst>
               <a:ext uri="{91240B29-F687-4f45-9708-019B960494DF}">
-                <a14:hiddenLine xmlns:a14="http://schemas.microsoft.com/office/drawing/2010/main" xmlns="" w="9525">
+                <a14:hiddenLine xmlns="" xmlns:a14="http://schemas.microsoft.com/office/drawing/2010/main" w="9525">
                   <a:solidFill>
                     <a:srgbClr val="000000"/>
                   </a:solidFill>
@@ -885,7 +885,7 @@
             </a:ln>
             <a:extLst>
               <a:ext uri="{91240B29-F687-4f45-9708-019B960494DF}">
-                <a14:hiddenLine xmlns:a14="http://schemas.microsoft.com/office/drawing/2010/main" xmlns="" w="9525">
+                <a14:hiddenLine xmlns="" xmlns:a14="http://schemas.microsoft.com/office/drawing/2010/main" w="9525">
                   <a:solidFill>
                     <a:srgbClr val="000000"/>
                   </a:solidFill>
@@ -975,7 +975,7 @@
             </a:ln>
             <a:extLst>
               <a:ext uri="{91240B29-F687-4f45-9708-019B960494DF}">
-                <a14:hiddenLine xmlns:a14="http://schemas.microsoft.com/office/drawing/2010/main" xmlns="" w="9525">
+                <a14:hiddenLine xmlns="" xmlns:a14="http://schemas.microsoft.com/office/drawing/2010/main" w="9525">
                   <a:solidFill>
                     <a:srgbClr val="000000"/>
                   </a:solidFill>
@@ -1065,7 +1065,7 @@
             </a:ln>
             <a:extLst>
               <a:ext uri="{91240B29-F687-4f45-9708-019B960494DF}">
-                <a14:hiddenLine xmlns:a14="http://schemas.microsoft.com/office/drawing/2010/main" xmlns="" w="9525">
+                <a14:hiddenLine xmlns="" xmlns:a14="http://schemas.microsoft.com/office/drawing/2010/main" w="9525">
                   <a:solidFill>
                     <a:srgbClr val="000000"/>
                   </a:solidFill>
@@ -1127,7 +1127,7 @@
             </a:ln>
             <a:extLst>
               <a:ext uri="{91240B29-F687-4f45-9708-019B960494DF}">
-                <a14:hiddenLine xmlns:a14="http://schemas.microsoft.com/office/drawing/2010/main" xmlns="" w="9525">
+                <a14:hiddenLine xmlns="" xmlns:a14="http://schemas.microsoft.com/office/drawing/2010/main" w="9525">
                   <a:solidFill>
                     <a:srgbClr val="000000"/>
                   </a:solidFill>
@@ -1237,7 +1237,7 @@
             </a:ln>
             <a:extLst>
               <a:ext uri="{91240B29-F687-4f45-9708-019B960494DF}">
-                <a14:hiddenLine xmlns:a14="http://schemas.microsoft.com/office/drawing/2010/main" xmlns="" w="9525">
+                <a14:hiddenLine xmlns="" xmlns:a14="http://schemas.microsoft.com/office/drawing/2010/main" w="9525">
                   <a:solidFill>
                     <a:srgbClr val="000000"/>
                   </a:solidFill>
@@ -1299,7 +1299,7 @@
             </a:ln>
             <a:extLst>
               <a:ext uri="{91240B29-F687-4f45-9708-019B960494DF}">
-                <a14:hiddenLine xmlns:a14="http://schemas.microsoft.com/office/drawing/2010/main" xmlns="" w="9525">
+                <a14:hiddenLine xmlns="" xmlns:a14="http://schemas.microsoft.com/office/drawing/2010/main" w="9525">
                   <a:solidFill>
                     <a:srgbClr val="000000"/>
                   </a:solidFill>
@@ -1389,7 +1389,7 @@
             </a:ln>
             <a:extLst>
               <a:ext uri="{91240B29-F687-4f45-9708-019B960494DF}">
-                <a14:hiddenLine xmlns:a14="http://schemas.microsoft.com/office/drawing/2010/main" xmlns="" w="9525">
+                <a14:hiddenLine xmlns="" xmlns:a14="http://schemas.microsoft.com/office/drawing/2010/main" w="9525">
                   <a:solidFill>
                     <a:srgbClr val="000000"/>
                   </a:solidFill>
@@ -1479,7 +1479,7 @@
             </a:ln>
             <a:extLst>
               <a:ext uri="{91240B29-F687-4f45-9708-019B960494DF}">
-                <a14:hiddenLine xmlns:a14="http://schemas.microsoft.com/office/drawing/2010/main" xmlns="" w="9525">
+                <a14:hiddenLine xmlns="" xmlns:a14="http://schemas.microsoft.com/office/drawing/2010/main" w="9525">
                   <a:solidFill>
                     <a:srgbClr val="000000"/>
                   </a:solidFill>
@@ -1541,7 +1541,7 @@
             </a:ln>
             <a:extLst>
               <a:ext uri="{91240B29-F687-4f45-9708-019B960494DF}">
-                <a14:hiddenLine xmlns:a14="http://schemas.microsoft.com/office/drawing/2010/main" xmlns="" w="9525">
+                <a14:hiddenLine xmlns="" xmlns:a14="http://schemas.microsoft.com/office/drawing/2010/main" w="9525">
                   <a:solidFill>
                     <a:srgbClr val="000000"/>
                   </a:solidFill>
@@ -1631,7 +1631,7 @@
             </a:ln>
             <a:extLst>
               <a:ext uri="{91240B29-F687-4f45-9708-019B960494DF}">
-                <a14:hiddenLine xmlns:a14="http://schemas.microsoft.com/office/drawing/2010/main" xmlns="" w="9525">
+                <a14:hiddenLine xmlns="" xmlns:a14="http://schemas.microsoft.com/office/drawing/2010/main" w="9525">
                   <a:solidFill>
                     <a:srgbClr val="000000"/>
                   </a:solidFill>
@@ -1721,7 +1721,7 @@
             </a:ln>
             <a:extLst>
               <a:ext uri="{91240B29-F687-4f45-9708-019B960494DF}">
-                <a14:hiddenLine xmlns:a14="http://schemas.microsoft.com/office/drawing/2010/main" xmlns="" w="9525">
+                <a14:hiddenLine xmlns="" xmlns:a14="http://schemas.microsoft.com/office/drawing/2010/main" w="9525">
                   <a:solidFill>
                     <a:srgbClr val="000000"/>
                   </a:solidFill>
@@ -1777,7 +1777,7 @@
             </a:ln>
             <a:extLst>
               <a:ext uri="{91240B29-F687-4f45-9708-019B960494DF}">
-                <a14:hiddenLine xmlns:a14="http://schemas.microsoft.com/office/drawing/2010/main" xmlns="" w="9525">
+                <a14:hiddenLine xmlns="" xmlns:a14="http://schemas.microsoft.com/office/drawing/2010/main" w="9525">
                   <a:solidFill>
                     <a:srgbClr val="000000"/>
                   </a:solidFill>
@@ -1867,7 +1867,7 @@
             </a:ln>
             <a:extLst>
               <a:ext uri="{91240B29-F687-4f45-9708-019B960494DF}">
-                <a14:hiddenLine xmlns:a14="http://schemas.microsoft.com/office/drawing/2010/main" xmlns="" w="9525">
+                <a14:hiddenLine xmlns="" xmlns:a14="http://schemas.microsoft.com/office/drawing/2010/main" w="9525">
                   <a:solidFill>
                     <a:srgbClr val="000000"/>
                   </a:solidFill>
@@ -1923,7 +1923,7 @@
             </a:ln>
             <a:extLst>
               <a:ext uri="{91240B29-F687-4f45-9708-019B960494DF}">
-                <a14:hiddenLine xmlns:a14="http://schemas.microsoft.com/office/drawing/2010/main" xmlns="" w="9525">
+                <a14:hiddenLine xmlns="" xmlns:a14="http://schemas.microsoft.com/office/drawing/2010/main" w="9525">
                   <a:solidFill>
                     <a:srgbClr val="000000"/>
                   </a:solidFill>
@@ -2013,7 +2013,7 @@
             </a:ln>
             <a:extLst>
               <a:ext uri="{91240B29-F687-4f45-9708-019B960494DF}">
-                <a14:hiddenLine xmlns:a14="http://schemas.microsoft.com/office/drawing/2010/main" xmlns="" w="9525">
+                <a14:hiddenLine xmlns="" xmlns:a14="http://schemas.microsoft.com/office/drawing/2010/main" w="9525">
                   <a:solidFill>
                     <a:srgbClr val="000000"/>
                   </a:solidFill>
@@ -2081,7 +2081,7 @@
             </a:ln>
             <a:extLst>
               <a:ext uri="{91240B29-F687-4f45-9708-019B960494DF}">
-                <a14:hiddenLine xmlns:a14="http://schemas.microsoft.com/office/drawing/2010/main" xmlns="" w="9525">
+                <a14:hiddenLine xmlns="" xmlns:a14="http://schemas.microsoft.com/office/drawing/2010/main" w="9525">
                   <a:solidFill>
                     <a:srgbClr val="000000"/>
                   </a:solidFill>
@@ -2171,7 +2171,7 @@
             </a:ln>
             <a:extLst>
               <a:ext uri="{91240B29-F687-4f45-9708-019B960494DF}">
-                <a14:hiddenLine xmlns:a14="http://schemas.microsoft.com/office/drawing/2010/main" xmlns="" w="9525">
+                <a14:hiddenLine xmlns="" xmlns:a14="http://schemas.microsoft.com/office/drawing/2010/main" w="9525">
                   <a:solidFill>
                     <a:srgbClr val="000000"/>
                   </a:solidFill>
@@ -2239,7 +2239,7 @@
             </a:ln>
             <a:extLst>
               <a:ext uri="{91240B29-F687-4f45-9708-019B960494DF}">
-                <a14:hiddenLine xmlns:a14="http://schemas.microsoft.com/office/drawing/2010/main" xmlns="" w="9525">
+                <a14:hiddenLine xmlns="" xmlns:a14="http://schemas.microsoft.com/office/drawing/2010/main" w="9525">
                   <a:solidFill>
                     <a:srgbClr val="000000"/>
                   </a:solidFill>
@@ -2329,7 +2329,7 @@
             </a:ln>
             <a:extLst>
               <a:ext uri="{91240B29-F687-4f45-9708-019B960494DF}">
-                <a14:hiddenLine xmlns:a14="http://schemas.microsoft.com/office/drawing/2010/main" xmlns="" w="9525">
+                <a14:hiddenLine xmlns="" xmlns:a14="http://schemas.microsoft.com/office/drawing/2010/main" w="9525">
                   <a:solidFill>
                     <a:srgbClr val="000000"/>
                   </a:solidFill>
@@ -2363,7 +2363,7 @@
             </a:ln>
             <a:extLst>
               <a:ext uri="{91240B29-F687-4f45-9708-019B960494DF}">
-                <a14:hiddenLine xmlns:a14="http://schemas.microsoft.com/office/drawing/2010/main" xmlns="" w="9525">
+                <a14:hiddenLine xmlns="" xmlns:a14="http://schemas.microsoft.com/office/drawing/2010/main" w="9525">
                   <a:solidFill>
                     <a:srgbClr val="000000"/>
                   </a:solidFill>
@@ -2453,7 +2453,7 @@
             </a:ln>
             <a:extLst>
               <a:ext uri="{91240B29-F687-4f45-9708-019B960494DF}">
-                <a14:hiddenLine xmlns:a14="http://schemas.microsoft.com/office/drawing/2010/main" xmlns="" w="9525">
+                <a14:hiddenLine xmlns="" xmlns:a14="http://schemas.microsoft.com/office/drawing/2010/main" w="9525">
                   <a:solidFill>
                     <a:srgbClr val="000000"/>
                   </a:solidFill>
@@ -2515,7 +2515,7 @@
             </a:ln>
             <a:extLst>
               <a:ext uri="{91240B29-F687-4f45-9708-019B960494DF}">
-                <a14:hiddenLine xmlns:a14="http://schemas.microsoft.com/office/drawing/2010/main" xmlns="" w="9525">
+                <a14:hiddenLine xmlns="" xmlns:a14="http://schemas.microsoft.com/office/drawing/2010/main" w="9525">
                   <a:solidFill>
                     <a:srgbClr val="000000"/>
                   </a:solidFill>
@@ -2577,7 +2577,7 @@
             </a:ln>
             <a:extLst>
               <a:ext uri="{91240B29-F687-4f45-9708-019B960494DF}">
-                <a14:hiddenLine xmlns:a14="http://schemas.microsoft.com/office/drawing/2010/main" xmlns="" w="9525">
+                <a14:hiddenLine xmlns="" xmlns:a14="http://schemas.microsoft.com/office/drawing/2010/main" w="9525">
                   <a:solidFill>
                     <a:srgbClr val="000000"/>
                   </a:solidFill>
@@ -2667,7 +2667,7 @@
             </a:ln>
             <a:extLst>
               <a:ext uri="{91240B29-F687-4f45-9708-019B960494DF}">
-                <a14:hiddenLine xmlns:a14="http://schemas.microsoft.com/office/drawing/2010/main" xmlns="" w="9525">
+                <a14:hiddenLine xmlns="" xmlns:a14="http://schemas.microsoft.com/office/drawing/2010/main" w="9525">
                   <a:solidFill>
                     <a:srgbClr val="000000"/>
                   </a:solidFill>
@@ -2735,7 +2735,7 @@
             </a:ln>
             <a:extLst>
               <a:ext uri="{91240B29-F687-4f45-9708-019B960494DF}">
-                <a14:hiddenLine xmlns:a14="http://schemas.microsoft.com/office/drawing/2010/main" xmlns="" w="9525">
+                <a14:hiddenLine xmlns="" xmlns:a14="http://schemas.microsoft.com/office/drawing/2010/main" w="9525">
                   <a:solidFill>
                     <a:srgbClr val="000000"/>
                   </a:solidFill>
@@ -2797,7 +2797,7 @@
             </a:ln>
             <a:extLst>
               <a:ext uri="{91240B29-F687-4f45-9708-019B960494DF}">
-                <a14:hiddenLine xmlns:a14="http://schemas.microsoft.com/office/drawing/2010/main" xmlns="" w="9525">
+                <a14:hiddenLine xmlns="" xmlns:a14="http://schemas.microsoft.com/office/drawing/2010/main" w="9525">
                   <a:solidFill>
                     <a:srgbClr val="000000"/>
                   </a:solidFill>
@@ -2887,7 +2887,7 @@
             </a:ln>
             <a:extLst>
               <a:ext uri="{91240B29-F687-4f45-9708-019B960494DF}">
-                <a14:hiddenLine xmlns:a14="http://schemas.microsoft.com/office/drawing/2010/main" xmlns="" w="9525">
+                <a14:hiddenLine xmlns="" xmlns:a14="http://schemas.microsoft.com/office/drawing/2010/main" w="9525">
                   <a:solidFill>
                     <a:srgbClr val="000000"/>
                   </a:solidFill>
@@ -2949,7 +2949,7 @@
             </a:ln>
             <a:extLst>
               <a:ext uri="{91240B29-F687-4f45-9708-019B960494DF}">
-                <a14:hiddenLine xmlns:a14="http://schemas.microsoft.com/office/drawing/2010/main" xmlns="" w="9525">
+                <a14:hiddenLine xmlns="" xmlns:a14="http://schemas.microsoft.com/office/drawing/2010/main" w="9525">
                   <a:solidFill>
                     <a:srgbClr val="000000"/>
                   </a:solidFill>
@@ -3039,7 +3039,7 @@
             </a:ln>
             <a:extLst>
               <a:ext uri="{91240B29-F687-4f45-9708-019B960494DF}">
-                <a14:hiddenLine xmlns:a14="http://schemas.microsoft.com/office/drawing/2010/main" xmlns="" w="9525">
+                <a14:hiddenLine xmlns="" xmlns:a14="http://schemas.microsoft.com/office/drawing/2010/main" w="9525">
                   <a:solidFill>
                     <a:srgbClr val="000000"/>
                   </a:solidFill>
@@ -3101,7 +3101,7 @@
             </a:ln>
             <a:extLst>
               <a:ext uri="{91240B29-F687-4f45-9708-019B960494DF}">
-                <a14:hiddenLine xmlns:a14="http://schemas.microsoft.com/office/drawing/2010/main" xmlns="" w="9525">
+                <a14:hiddenLine xmlns="" xmlns:a14="http://schemas.microsoft.com/office/drawing/2010/main" w="9525">
                   <a:solidFill>
                     <a:srgbClr val="000000"/>
                   </a:solidFill>
@@ -3191,7 +3191,7 @@
             </a:ln>
             <a:extLst>
               <a:ext uri="{91240B29-F687-4f45-9708-019B960494DF}">
-                <a14:hiddenLine xmlns:a14="http://schemas.microsoft.com/office/drawing/2010/main" xmlns="" w="9525">
+                <a14:hiddenLine xmlns="" xmlns:a14="http://schemas.microsoft.com/office/drawing/2010/main" w="9525">
                   <a:solidFill>
                     <a:srgbClr val="000000"/>
                   </a:solidFill>
@@ -3225,7 +3225,7 @@
             </a:ln>
             <a:extLst>
               <a:ext uri="{91240B29-F687-4f45-9708-019B960494DF}">
-                <a14:hiddenLine xmlns:a14="http://schemas.microsoft.com/office/drawing/2010/main" xmlns="" w="9525">
+                <a14:hiddenLine xmlns="" xmlns:a14="http://schemas.microsoft.com/office/drawing/2010/main" w="9525">
                   <a:solidFill>
                     <a:srgbClr val="000000"/>
                   </a:solidFill>
@@ -3290,7 +3290,7 @@
             </a:ln>
             <a:extLst>
               <a:ext uri="{91240B29-F687-4f45-9708-019B960494DF}">
-                <a14:hiddenLine xmlns:a14="http://schemas.microsoft.com/office/drawing/2010/main" xmlns="" w="9525">
+                <a14:hiddenLine xmlns="" xmlns:a14="http://schemas.microsoft.com/office/drawing/2010/main" w="9525">
                   <a:solidFill>
                     <a:srgbClr val="000000"/>
                   </a:solidFill>
@@ -3380,7 +3380,7 @@
             </a:ln>
             <a:extLst>
               <a:ext uri="{91240B29-F687-4f45-9708-019B960494DF}">
-                <a14:hiddenLine xmlns:a14="http://schemas.microsoft.com/office/drawing/2010/main" xmlns="" w="9525">
+                <a14:hiddenLine xmlns="" xmlns:a14="http://schemas.microsoft.com/office/drawing/2010/main" w="9525">
                   <a:solidFill>
                     <a:srgbClr val="000000"/>
                   </a:solidFill>
@@ -3442,7 +3442,7 @@
             </a:ln>
             <a:extLst>
               <a:ext uri="{91240B29-F687-4f45-9708-019B960494DF}">
-                <a14:hiddenLine xmlns:a14="http://schemas.microsoft.com/office/drawing/2010/main" xmlns="" w="9525">
+                <a14:hiddenLine xmlns="" xmlns:a14="http://schemas.microsoft.com/office/drawing/2010/main" w="9525">
                   <a:solidFill>
                     <a:srgbClr val="000000"/>
                   </a:solidFill>
@@ -3532,7 +3532,7 @@
             </a:ln>
             <a:extLst>
               <a:ext uri="{91240B29-F687-4f45-9708-019B960494DF}">
-                <a14:hiddenLine xmlns:a14="http://schemas.microsoft.com/office/drawing/2010/main" xmlns="" w="9525">
+                <a14:hiddenLine xmlns="" xmlns:a14="http://schemas.microsoft.com/office/drawing/2010/main" w="9525">
                   <a:solidFill>
                     <a:srgbClr val="000000"/>
                   </a:solidFill>
@@ -3622,7 +3622,7 @@
             </a:ln>
             <a:extLst>
               <a:ext uri="{91240B29-F687-4f45-9708-019B960494DF}">
-                <a14:hiddenLine xmlns:a14="http://schemas.microsoft.com/office/drawing/2010/main" xmlns="" w="9525">
+                <a14:hiddenLine xmlns="" xmlns:a14="http://schemas.microsoft.com/office/drawing/2010/main" w="9525">
                   <a:solidFill>
                     <a:srgbClr val="000000"/>
                   </a:solidFill>
@@ -3687,7 +3687,7 @@
             </a:ln>
             <a:extLst>
               <a:ext uri="{91240B29-F687-4f45-9708-019B960494DF}">
-                <a14:hiddenLine xmlns:a14="http://schemas.microsoft.com/office/drawing/2010/main" xmlns="" w="9525">
+                <a14:hiddenLine xmlns="" xmlns:a14="http://schemas.microsoft.com/office/drawing/2010/main" w="9525">
                   <a:solidFill>
                     <a:srgbClr val="000000"/>
                   </a:solidFill>
@@ -3749,7 +3749,7 @@
             </a:ln>
             <a:extLst>
               <a:ext uri="{91240B29-F687-4f45-9708-019B960494DF}">
-                <a14:hiddenLine xmlns:a14="http://schemas.microsoft.com/office/drawing/2010/main" xmlns="" w="9525">
+                <a14:hiddenLine xmlns="" xmlns:a14="http://schemas.microsoft.com/office/drawing/2010/main" w="9525">
                   <a:solidFill>
                     <a:srgbClr val="000000"/>
                   </a:solidFill>
@@ -3839,7 +3839,7 @@
             </a:ln>
             <a:extLst>
               <a:ext uri="{91240B29-F687-4f45-9708-019B960494DF}">
-                <a14:hiddenLine xmlns:a14="http://schemas.microsoft.com/office/drawing/2010/main" xmlns="" w="9525">
+                <a14:hiddenLine xmlns="" xmlns:a14="http://schemas.microsoft.com/office/drawing/2010/main" w="9525">
                   <a:solidFill>
                     <a:srgbClr val="000000"/>
                   </a:solidFill>
@@ -3929,7 +3929,7 @@
             </a:ln>
             <a:extLst>
               <a:ext uri="{91240B29-F687-4f45-9708-019B960494DF}">
-                <a14:hiddenLine xmlns:a14="http://schemas.microsoft.com/office/drawing/2010/main" xmlns="" w="9525">
+                <a14:hiddenLine xmlns="" xmlns:a14="http://schemas.microsoft.com/office/drawing/2010/main" w="9525">
                   <a:solidFill>
                     <a:srgbClr val="000000"/>
                   </a:solidFill>
@@ -3991,7 +3991,7 @@
             </a:ln>
             <a:extLst>
               <a:ext uri="{91240B29-F687-4f45-9708-019B960494DF}">
-                <a14:hiddenLine xmlns:a14="http://schemas.microsoft.com/office/drawing/2010/main" xmlns="" w="9525">
+                <a14:hiddenLine xmlns="" xmlns:a14="http://schemas.microsoft.com/office/drawing/2010/main" w="9525">
                   <a:solidFill>
                     <a:srgbClr val="000000"/>
                   </a:solidFill>
@@ -4111,7 +4111,7 @@
             </a:ln>
             <a:extLst>
               <a:ext uri="{91240B29-F687-4f45-9708-019B960494DF}">
-                <a14:hiddenLine xmlns:a14="http://schemas.microsoft.com/office/drawing/2010/main" xmlns="" w="9525">
+                <a14:hiddenLine xmlns="" xmlns:a14="http://schemas.microsoft.com/office/drawing/2010/main" w="9525">
                   <a:solidFill>
                     <a:srgbClr val="000000"/>
                   </a:solidFill>
@@ -4179,7 +4179,7 @@
             </a:ln>
             <a:extLst>
               <a:ext uri="{91240B29-F687-4f45-9708-019B960494DF}">
-                <a14:hiddenLine xmlns:a14="http://schemas.microsoft.com/office/drawing/2010/main" xmlns="" w="9525">
+                <a14:hiddenLine xmlns="" xmlns:a14="http://schemas.microsoft.com/office/drawing/2010/main" w="9525">
                   <a:solidFill>
                     <a:srgbClr val="000000"/>
                   </a:solidFill>
@@ -4269,7 +4269,7 @@
             </a:ln>
             <a:extLst>
               <a:ext uri="{91240B29-F687-4f45-9708-019B960494DF}">
-                <a14:hiddenLine xmlns:a14="http://schemas.microsoft.com/office/drawing/2010/main" xmlns="" w="9525">
+                <a14:hiddenLine xmlns="" xmlns:a14="http://schemas.microsoft.com/office/drawing/2010/main" w="9525">
                   <a:solidFill>
                     <a:srgbClr val="000000"/>
                   </a:solidFill>
@@ -9076,7 +9076,7 @@
           <a:noFill/>
           <a:extLst>
             <a:ext uri="{909E8E84-426E-40dd-AFC4-6F175D3DCCD1}">
-              <a14:hiddenFill xmlns:a14="http://schemas.microsoft.com/office/drawing/2010/main" xmlns="">
+              <a14:hiddenFill xmlns="" xmlns:a14="http://schemas.microsoft.com/office/drawing/2010/main">
                 <a:solidFill>
                   <a:srgbClr val="FFFFFF"/>
                 </a:solidFill>
@@ -9150,7 +9150,7 @@
               </a:ln>
               <a:extLst>
                 <a:ext uri="{91240B29-F687-4f45-9708-019B960494DF}">
-                  <a14:hiddenLine xmlns:a14="http://schemas.microsoft.com/office/drawing/2010/main" xmlns="" w="9525">
+                  <a14:hiddenLine xmlns="" xmlns:a14="http://schemas.microsoft.com/office/drawing/2010/main" w="9525">
                     <a:solidFill>
                       <a:srgbClr val="000000"/>
                     </a:solidFill>
@@ -9240,7 +9240,7 @@
               </a:ln>
               <a:extLst>
                 <a:ext uri="{91240B29-F687-4f45-9708-019B960494DF}">
-                  <a14:hiddenLine xmlns:a14="http://schemas.microsoft.com/office/drawing/2010/main" xmlns="" w="9525">
+                  <a14:hiddenLine xmlns="" xmlns:a14="http://schemas.microsoft.com/office/drawing/2010/main" w="9525">
                     <a:solidFill>
                       <a:srgbClr val="000000"/>
                     </a:solidFill>
@@ -9330,7 +9330,7 @@
               </a:ln>
               <a:extLst>
                 <a:ext uri="{91240B29-F687-4f45-9708-019B960494DF}">
-                  <a14:hiddenLine xmlns:a14="http://schemas.microsoft.com/office/drawing/2010/main" xmlns="" w="9525">
+                  <a14:hiddenLine xmlns="" xmlns:a14="http://schemas.microsoft.com/office/drawing/2010/main" w="9525">
                     <a:solidFill>
                       <a:srgbClr val="000000"/>
                     </a:solidFill>
@@ -9392,7 +9392,7 @@
               </a:ln>
               <a:extLst>
                 <a:ext uri="{91240B29-F687-4f45-9708-019B960494DF}">
-                  <a14:hiddenLine xmlns:a14="http://schemas.microsoft.com/office/drawing/2010/main" xmlns="" w="9525">
+                  <a14:hiddenLine xmlns="" xmlns:a14="http://schemas.microsoft.com/office/drawing/2010/main" w="9525">
                     <a:solidFill>
                       <a:srgbClr val="000000"/>
                     </a:solidFill>
@@ -9482,7 +9482,7 @@
               </a:ln>
               <a:extLst>
                 <a:ext uri="{91240B29-F687-4f45-9708-019B960494DF}">
-                  <a14:hiddenLine xmlns:a14="http://schemas.microsoft.com/office/drawing/2010/main" xmlns="" w="9525">
+                  <a14:hiddenLine xmlns="" xmlns:a14="http://schemas.microsoft.com/office/drawing/2010/main" w="9525">
                     <a:solidFill>
                       <a:srgbClr val="000000"/>
                     </a:solidFill>
@@ -9544,7 +9544,7 @@
               </a:ln>
               <a:extLst>
                 <a:ext uri="{91240B29-F687-4f45-9708-019B960494DF}">
-                  <a14:hiddenLine xmlns:a14="http://schemas.microsoft.com/office/drawing/2010/main" xmlns="" w="9525">
+                  <a14:hiddenLine xmlns="" xmlns:a14="http://schemas.microsoft.com/office/drawing/2010/main" w="9525">
                     <a:solidFill>
                       <a:srgbClr val="000000"/>
                     </a:solidFill>
@@ -9606,7 +9606,7 @@
               </a:ln>
               <a:extLst>
                 <a:ext uri="{91240B29-F687-4f45-9708-019B960494DF}">
-                  <a14:hiddenLine xmlns:a14="http://schemas.microsoft.com/office/drawing/2010/main" xmlns="" w="9525">
+                  <a14:hiddenLine xmlns="" xmlns:a14="http://schemas.microsoft.com/office/drawing/2010/main" w="9525">
                     <a:solidFill>
                       <a:srgbClr val="000000"/>
                     </a:solidFill>
@@ -9696,7 +9696,7 @@
               </a:ln>
               <a:extLst>
                 <a:ext uri="{91240B29-F687-4f45-9708-019B960494DF}">
-                  <a14:hiddenLine xmlns:a14="http://schemas.microsoft.com/office/drawing/2010/main" xmlns="" w="9525">
+                  <a14:hiddenLine xmlns="" xmlns:a14="http://schemas.microsoft.com/office/drawing/2010/main" w="9525">
                     <a:solidFill>
                       <a:srgbClr val="000000"/>
                     </a:solidFill>
@@ -9786,7 +9786,7 @@
               </a:ln>
               <a:extLst>
                 <a:ext uri="{91240B29-F687-4f45-9708-019B960494DF}">
-                  <a14:hiddenLine xmlns:a14="http://schemas.microsoft.com/office/drawing/2010/main" xmlns="" w="9525">
+                  <a14:hiddenLine xmlns="" xmlns:a14="http://schemas.microsoft.com/office/drawing/2010/main" w="9525">
                     <a:solidFill>
                       <a:srgbClr val="000000"/>
                     </a:solidFill>
@@ -9848,7 +9848,7 @@
               </a:ln>
               <a:extLst>
                 <a:ext uri="{91240B29-F687-4f45-9708-019B960494DF}">
-                  <a14:hiddenLine xmlns:a14="http://schemas.microsoft.com/office/drawing/2010/main" xmlns="" w="9525">
+                  <a14:hiddenLine xmlns="" xmlns:a14="http://schemas.microsoft.com/office/drawing/2010/main" w="9525">
                     <a:solidFill>
                       <a:srgbClr val="000000"/>
                     </a:solidFill>
@@ -9958,7 +9958,7 @@
               </a:ln>
               <a:extLst>
                 <a:ext uri="{91240B29-F687-4f45-9708-019B960494DF}">
-                  <a14:hiddenLine xmlns:a14="http://schemas.microsoft.com/office/drawing/2010/main" xmlns="" w="9525">
+                  <a14:hiddenLine xmlns="" xmlns:a14="http://schemas.microsoft.com/office/drawing/2010/main" w="9525">
                     <a:solidFill>
                       <a:srgbClr val="000000"/>
                     </a:solidFill>
@@ -10042,7 +10042,7 @@
               </a:ln>
               <a:extLst>
                 <a:ext uri="{91240B29-F687-4f45-9708-019B960494DF}">
-                  <a14:hiddenLine xmlns:a14="http://schemas.microsoft.com/office/drawing/2010/main" xmlns="" w="9525">
+                  <a14:hiddenLine xmlns="" xmlns:a14="http://schemas.microsoft.com/office/drawing/2010/main" w="9525">
                     <a:solidFill>
                       <a:srgbClr val="000000"/>
                     </a:solidFill>
@@ -10104,7 +10104,7 @@
               </a:ln>
               <a:extLst>
                 <a:ext uri="{91240B29-F687-4f45-9708-019B960494DF}">
-                  <a14:hiddenLine xmlns:a14="http://schemas.microsoft.com/office/drawing/2010/main" xmlns="" w="9525">
+                  <a14:hiddenLine xmlns="" xmlns:a14="http://schemas.microsoft.com/office/drawing/2010/main" w="9525">
                     <a:solidFill>
                       <a:srgbClr val="000000"/>
                     </a:solidFill>
@@ -10166,7 +10166,7 @@
               </a:ln>
               <a:extLst>
                 <a:ext uri="{91240B29-F687-4f45-9708-019B960494DF}">
-                  <a14:hiddenLine xmlns:a14="http://schemas.microsoft.com/office/drawing/2010/main" xmlns="" w="9525">
+                  <a14:hiddenLine xmlns="" xmlns:a14="http://schemas.microsoft.com/office/drawing/2010/main" w="9525">
                     <a:solidFill>
                       <a:srgbClr val="000000"/>
                     </a:solidFill>
@@ -10256,7 +10256,7 @@
               </a:ln>
               <a:extLst>
                 <a:ext uri="{91240B29-F687-4f45-9708-019B960494DF}">
-                  <a14:hiddenLine xmlns:a14="http://schemas.microsoft.com/office/drawing/2010/main" xmlns="" w="9525">
+                  <a14:hiddenLine xmlns="" xmlns:a14="http://schemas.microsoft.com/office/drawing/2010/main" w="9525">
                     <a:solidFill>
                       <a:srgbClr val="000000"/>
                     </a:solidFill>
@@ -10290,7 +10290,7 @@
               </a:ln>
               <a:extLst>
                 <a:ext uri="{91240B29-F687-4f45-9708-019B960494DF}">
-                  <a14:hiddenLine xmlns:a14="http://schemas.microsoft.com/office/drawing/2010/main" xmlns="" w="9525">
+                  <a14:hiddenLine xmlns="" xmlns:a14="http://schemas.microsoft.com/office/drawing/2010/main" w="9525">
                     <a:solidFill>
                       <a:srgbClr val="000000"/>
                     </a:solidFill>
@@ -10355,7 +10355,7 @@
               </a:ln>
               <a:extLst>
                 <a:ext uri="{91240B29-F687-4f45-9708-019B960494DF}">
-                  <a14:hiddenLine xmlns:a14="http://schemas.microsoft.com/office/drawing/2010/main" xmlns="" w="9525">
+                  <a14:hiddenLine xmlns="" xmlns:a14="http://schemas.microsoft.com/office/drawing/2010/main" w="9525">
                     <a:solidFill>
                       <a:srgbClr val="000000"/>
                     </a:solidFill>
@@ -10445,7 +10445,7 @@
               </a:ln>
               <a:extLst>
                 <a:ext uri="{91240B29-F687-4f45-9708-019B960494DF}">
-                  <a14:hiddenLine xmlns:a14="http://schemas.microsoft.com/office/drawing/2010/main" xmlns="" w="9525">
+                  <a14:hiddenLine xmlns="" xmlns:a14="http://schemas.microsoft.com/office/drawing/2010/main" w="9525">
                     <a:solidFill>
                       <a:srgbClr val="000000"/>
                     </a:solidFill>
@@ -10507,7 +10507,7 @@
               </a:ln>
               <a:extLst>
                 <a:ext uri="{91240B29-F687-4f45-9708-019B960494DF}">
-                  <a14:hiddenLine xmlns:a14="http://schemas.microsoft.com/office/drawing/2010/main" xmlns="" w="9525">
+                  <a14:hiddenLine xmlns="" xmlns:a14="http://schemas.microsoft.com/office/drawing/2010/main" w="9525">
                     <a:solidFill>
                       <a:srgbClr val="000000"/>
                     </a:solidFill>
@@ -10597,7 +10597,7 @@
               </a:ln>
               <a:extLst>
                 <a:ext uri="{91240B29-F687-4f45-9708-019B960494DF}">
-                  <a14:hiddenLine xmlns:a14="http://schemas.microsoft.com/office/drawing/2010/main" xmlns="" w="9525">
+                  <a14:hiddenLine xmlns="" xmlns:a14="http://schemas.microsoft.com/office/drawing/2010/main" w="9525">
                     <a:solidFill>
                       <a:srgbClr val="000000"/>
                     </a:solidFill>
@@ -10662,7 +10662,7 @@
               </a:ln>
               <a:extLst>
                 <a:ext uri="{91240B29-F687-4f45-9708-019B960494DF}">
-                  <a14:hiddenLine xmlns:a14="http://schemas.microsoft.com/office/drawing/2010/main" xmlns="" w="9525">
+                  <a14:hiddenLine xmlns="" xmlns:a14="http://schemas.microsoft.com/office/drawing/2010/main" w="9525">
                     <a:solidFill>
                       <a:srgbClr val="000000"/>
                     </a:solidFill>
@@ -10724,7 +10724,7 @@
               </a:ln>
               <a:extLst>
                 <a:ext uri="{91240B29-F687-4f45-9708-019B960494DF}">
-                  <a14:hiddenLine xmlns:a14="http://schemas.microsoft.com/office/drawing/2010/main" xmlns="" w="9525">
+                  <a14:hiddenLine xmlns="" xmlns:a14="http://schemas.microsoft.com/office/drawing/2010/main" w="9525">
                     <a:solidFill>
                       <a:srgbClr val="000000"/>
                     </a:solidFill>
@@ -10814,7 +10814,7 @@
               </a:ln>
               <a:extLst>
                 <a:ext uri="{91240B29-F687-4f45-9708-019B960494DF}">
-                  <a14:hiddenLine xmlns:a14="http://schemas.microsoft.com/office/drawing/2010/main" xmlns="" w="9525">
+                  <a14:hiddenLine xmlns="" xmlns:a14="http://schemas.microsoft.com/office/drawing/2010/main" w="9525">
                     <a:solidFill>
                       <a:srgbClr val="000000"/>
                     </a:solidFill>
@@ -10904,7 +10904,7 @@
               </a:ln>
               <a:extLst>
                 <a:ext uri="{91240B29-F687-4f45-9708-019B960494DF}">
-                  <a14:hiddenLine xmlns:a14="http://schemas.microsoft.com/office/drawing/2010/main" xmlns="" w="9525">
+                  <a14:hiddenLine xmlns="" xmlns:a14="http://schemas.microsoft.com/office/drawing/2010/main" w="9525">
                     <a:solidFill>
                       <a:srgbClr val="000000"/>
                     </a:solidFill>
@@ -10969,7 +10969,7 @@
               </a:ln>
               <a:extLst>
                 <a:ext uri="{91240B29-F687-4f45-9708-019B960494DF}">
-                  <a14:hiddenLine xmlns:a14="http://schemas.microsoft.com/office/drawing/2010/main" xmlns="" w="9525">
+                  <a14:hiddenLine xmlns="" xmlns:a14="http://schemas.microsoft.com/office/drawing/2010/main" w="9525">
                     <a:solidFill>
                       <a:srgbClr val="000000"/>
                     </a:solidFill>
@@ -11089,7 +11089,7 @@
               </a:ln>
               <a:extLst>
                 <a:ext uri="{91240B29-F687-4f45-9708-019B960494DF}">
-                  <a14:hiddenLine xmlns:a14="http://schemas.microsoft.com/office/drawing/2010/main" xmlns="" w="9525">
+                  <a14:hiddenLine xmlns="" xmlns:a14="http://schemas.microsoft.com/office/drawing/2010/main" w="9525">
                     <a:solidFill>
                       <a:srgbClr val="000000"/>
                     </a:solidFill>
@@ -11187,7 +11187,7 @@
               </a:ln>
               <a:extLst>
                 <a:ext uri="{91240B29-F687-4f45-9708-019B960494DF}">
-                  <a14:hiddenLine xmlns:a14="http://schemas.microsoft.com/office/drawing/2010/main" xmlns="" w="9525">
+                  <a14:hiddenLine xmlns="" xmlns:a14="http://schemas.microsoft.com/office/drawing/2010/main" w="9525">
                     <a:solidFill>
                       <a:srgbClr val="000000"/>
                     </a:solidFill>
@@ -11302,7 +11302,7 @@
               </a:ln>
               <a:extLst>
                 <a:ext uri="{91240B29-F687-4f45-9708-019B960494DF}">
-                  <a14:hiddenLine xmlns:a14="http://schemas.microsoft.com/office/drawing/2010/main" xmlns="" w="9525">
+                  <a14:hiddenLine xmlns="" xmlns:a14="http://schemas.microsoft.com/office/drawing/2010/main" w="9525">
                     <a:solidFill>
                       <a:srgbClr val="000000"/>
                     </a:solidFill>
@@ -11392,7 +11392,7 @@
               </a:ln>
               <a:extLst>
                 <a:ext uri="{91240B29-F687-4f45-9708-019B960494DF}">
-                  <a14:hiddenLine xmlns:a14="http://schemas.microsoft.com/office/drawing/2010/main" xmlns="" w="9525">
+                  <a14:hiddenLine xmlns="" xmlns:a14="http://schemas.microsoft.com/office/drawing/2010/main" w="9525">
                     <a:solidFill>
                       <a:srgbClr val="000000"/>
                     </a:solidFill>
@@ -11457,7 +11457,7 @@
               </a:ln>
               <a:extLst>
                 <a:ext uri="{91240B29-F687-4f45-9708-019B960494DF}">
-                  <a14:hiddenLine xmlns:a14="http://schemas.microsoft.com/office/drawing/2010/main" xmlns="" w="9525">
+                  <a14:hiddenLine xmlns="" xmlns:a14="http://schemas.microsoft.com/office/drawing/2010/main" w="9525">
                     <a:solidFill>
                       <a:srgbClr val="000000"/>
                     </a:solidFill>
@@ -11547,7 +11547,7 @@
               </a:ln>
               <a:extLst>
                 <a:ext uri="{91240B29-F687-4f45-9708-019B960494DF}">
-                  <a14:hiddenLine xmlns:a14="http://schemas.microsoft.com/office/drawing/2010/main" xmlns="" w="9525">
+                  <a14:hiddenLine xmlns="" xmlns:a14="http://schemas.microsoft.com/office/drawing/2010/main" w="9525">
                     <a:solidFill>
                       <a:srgbClr val="000000"/>
                     </a:solidFill>
@@ -11615,7 +11615,7 @@
               </a:ln>
               <a:extLst>
                 <a:ext uri="{91240B29-F687-4f45-9708-019B960494DF}">
-                  <a14:hiddenLine xmlns:a14="http://schemas.microsoft.com/office/drawing/2010/main" xmlns="" w="9525">
+                  <a14:hiddenLine xmlns="" xmlns:a14="http://schemas.microsoft.com/office/drawing/2010/main" w="9525">
                     <a:solidFill>
                       <a:srgbClr val="000000"/>
                     </a:solidFill>
@@ -11705,7 +11705,7 @@
               </a:ln>
               <a:extLst>
                 <a:ext uri="{91240B29-F687-4f45-9708-019B960494DF}">
-                  <a14:hiddenLine xmlns:a14="http://schemas.microsoft.com/office/drawing/2010/main" xmlns="" w="9525">
+                  <a14:hiddenLine xmlns="" xmlns:a14="http://schemas.microsoft.com/office/drawing/2010/main" w="9525">
                     <a:solidFill>
                       <a:srgbClr val="000000"/>
                     </a:solidFill>
@@ -11773,7 +11773,7 @@
               </a:ln>
               <a:extLst>
                 <a:ext uri="{91240B29-F687-4f45-9708-019B960494DF}">
-                  <a14:hiddenLine xmlns:a14="http://schemas.microsoft.com/office/drawing/2010/main" xmlns="" w="9525">
+                  <a14:hiddenLine xmlns="" xmlns:a14="http://schemas.microsoft.com/office/drawing/2010/main" w="9525">
                     <a:solidFill>
                       <a:srgbClr val="000000"/>
                     </a:solidFill>
@@ -11863,7 +11863,7 @@
               </a:ln>
               <a:extLst>
                 <a:ext uri="{91240B29-F687-4f45-9708-019B960494DF}">
-                  <a14:hiddenLine xmlns:a14="http://schemas.microsoft.com/office/drawing/2010/main" xmlns="" w="9525">
+                  <a14:hiddenLine xmlns="" xmlns:a14="http://schemas.microsoft.com/office/drawing/2010/main" w="9525">
                     <a:solidFill>
                       <a:srgbClr val="000000"/>
                     </a:solidFill>
@@ -11897,7 +11897,7 @@
               </a:ln>
               <a:extLst>
                 <a:ext uri="{91240B29-F687-4f45-9708-019B960494DF}">
-                  <a14:hiddenLine xmlns:a14="http://schemas.microsoft.com/office/drawing/2010/main" xmlns="" w="9525">
+                  <a14:hiddenLine xmlns="" xmlns:a14="http://schemas.microsoft.com/office/drawing/2010/main" w="9525">
                     <a:solidFill>
                       <a:srgbClr val="000000"/>
                     </a:solidFill>
@@ -12508,12 +12508,8 @@
           <a:lstStyle/>
           <a:p>
             <a:r>
-              <a:rPr lang="pt-BR" dirty="0" err="1"/>
-              <a:t>Profº</a:t>
-            </a:r>
-            <a:r>
               <a:rPr lang="pt-BR" dirty="0"/>
-              <a:t> Luís Fernando</a:t>
+              <a:t>Prof. Luís Fernando</a:t>
             </a:r>
           </a:p>
           <a:p>
@@ -13084,7 +13080,7 @@
             </a:r>
             <a:r>
               <a:rPr lang="pt-BR" dirty="0"/>
-              <a:t>Nesta etapa, os dados são coletados e extraídos de várias fontes de dados, que podem incluir bancos de dados relacionais, planilhas, arquivos de texto, sistemas de CRM, sistemas ERP, fontes de dados na nuvem, entre outros. A extração pode envolver a leitura direta dos dados das fontes ou a replicação dos dados para um local intermediário.</a:t>
+              <a:t>Nesta etapa, os dados são coletados e extraídos de várias fontes de dados, que podem incluir bancos de dados relacionais, planilhas, arquivos de texto, sistemas de CRM (Gestão de relacionamento com o cliente), sistemas ERP, fontes de dados na nuvem, entre outros. A extração pode envolver a leitura direta dos dados das fontes ou a replicação dos dados para um local intermediário.</a:t>
             </a:r>
           </a:p>
         </p:txBody>
